--- a/Customer360 Architecture VIVO.pptx
+++ b/Customer360 Architecture VIVO.pptx
@@ -5,7 +5,7 @@
     <p:sldMasterId id="2147483659" r:id="rId1"/>
   </p:sldMasterIdLst>
   <p:notesMasterIdLst>
-    <p:notesMasterId r:id="rId12"/>
+    <p:notesMasterId r:id="rId13"/>
   </p:notesMasterIdLst>
   <p:sldIdLst>
     <p:sldId id="256" r:id="rId2"/>
@@ -17,22 +17,23 @@
     <p:sldId id="262" r:id="rId8"/>
     <p:sldId id="263" r:id="rId9"/>
     <p:sldId id="264" r:id="rId10"/>
-    <p:sldId id="265" r:id="rId11"/>
+    <p:sldId id="266" r:id="rId11"/>
+    <p:sldId id="265" r:id="rId12"/>
   </p:sldIdLst>
   <p:sldSz cx="12192000" cy="6858000"/>
   <p:notesSz cx="6858000" cy="9144000"/>
   <p:embeddedFontLst>
     <p:embeddedFont>
       <p:font typeface="Inter" panose="020B0604020202020204" charset="0"/>
-      <p:regular r:id="rId13"/>
-      <p:bold r:id="rId14"/>
-      <p:italic r:id="rId15"/>
-      <p:boldItalic r:id="rId16"/>
+      <p:regular r:id="rId14"/>
+      <p:bold r:id="rId15"/>
+      <p:italic r:id="rId16"/>
+      <p:boldItalic r:id="rId17"/>
     </p:embeddedFont>
     <p:embeddedFont>
       <p:font typeface="Rajdhani" panose="020B0604020202020204" charset="0"/>
-      <p:regular r:id="rId17"/>
-      <p:bold r:id="rId18"/>
+      <p:regular r:id="rId18"/>
+      <p:bold r:id="rId19"/>
     </p:embeddedFont>
   </p:embeddedFontLst>
   <p:defaultTextStyle>
@@ -829,6 +830,133 @@
 </file>
 
 <file path=ppt/notesSlides/notesSlide10.xml><?xml version="1.0" encoding="utf-8"?>
+<p:notes xmlns:a="http://schemas.openxmlformats.org/drawingml/2006/main" xmlns:r="http://schemas.openxmlformats.org/officeDocument/2006/relationships" xmlns:p="http://schemas.openxmlformats.org/presentationml/2006/main" showMasterSp="0" showMasterPhAnim="0">
+  <p:cSld>
+    <p:spTree>
+      <p:nvGrpSpPr>
+        <p:cNvPr id="1" name="Shape 232">
+          <a:extLst>
+            <a:ext uri="{FF2B5EF4-FFF2-40B4-BE49-F238E27FC236}">
+              <a16:creationId xmlns:a16="http://schemas.microsoft.com/office/drawing/2014/main" id="{720B3430-BCAF-6286-EA58-59068BAA5390}"/>
+            </a:ext>
+          </a:extLst>
+        </p:cNvPr>
+        <p:cNvGrpSpPr/>
+        <p:nvPr/>
+      </p:nvGrpSpPr>
+      <p:grpSpPr>
+        <a:xfrm>
+          <a:off x="0" y="0"/>
+          <a:ext cx="0" cy="0"/>
+          <a:chOff x="0" y="0"/>
+          <a:chExt cx="0" cy="0"/>
+        </a:xfrm>
+      </p:grpSpPr>
+      <p:sp>
+        <p:nvSpPr>
+          <p:cNvPr id="233" name="Google Shape;233;p9:notes">
+            <a:extLst>
+              <a:ext uri="{FF2B5EF4-FFF2-40B4-BE49-F238E27FC236}">
+                <a16:creationId xmlns:a16="http://schemas.microsoft.com/office/drawing/2014/main" id="{5AC2490D-A3A4-54AF-9265-E9628C34E33D}"/>
+              </a:ext>
+            </a:extLst>
+          </p:cNvPr>
+          <p:cNvSpPr txBox="1">
+            <a:spLocks noGrp="1"/>
+          </p:cNvSpPr>
+          <p:nvPr>
+            <p:ph type="body" idx="1"/>
+          </p:nvPr>
+        </p:nvSpPr>
+        <p:spPr>
+          <a:xfrm>
+            <a:off x="685800" y="4343400"/>
+            <a:ext cx="5486400" cy="4114800"/>
+          </a:xfrm>
+          <a:prstGeom prst="rect">
+            <a:avLst/>
+          </a:prstGeom>
+        </p:spPr>
+        <p:txBody>
+          <a:bodyPr spcFirstLastPara="1" wrap="square" lIns="91425" tIns="91425" rIns="91425" bIns="91425" anchor="t" anchorCtr="0">
+            <a:noAutofit/>
+          </a:bodyPr>
+          <a:lstStyle/>
+          <a:p>
+            <a:pPr marL="0" lvl="0" indent="0" algn="l" rtl="0">
+              <a:spcBef>
+                <a:spcPts val="0"/>
+              </a:spcBef>
+              <a:spcAft>
+                <a:spcPts val="0"/>
+              </a:spcAft>
+              <a:buNone/>
+            </a:pPr>
+            <a:endParaRPr/>
+          </a:p>
+        </p:txBody>
+      </p:sp>
+      <p:sp>
+        <p:nvSpPr>
+          <p:cNvPr id="234" name="Google Shape;234;p9:notes">
+            <a:extLst>
+              <a:ext uri="{FF2B5EF4-FFF2-40B4-BE49-F238E27FC236}">
+                <a16:creationId xmlns:a16="http://schemas.microsoft.com/office/drawing/2014/main" id="{E1C20210-F71B-208A-1125-096FB4410F15}"/>
+              </a:ext>
+            </a:extLst>
+          </p:cNvPr>
+          <p:cNvSpPr>
+            <a:spLocks noGrp="1" noRot="1" noChangeAspect="1"/>
+          </p:cNvSpPr>
+          <p:nvPr>
+            <p:ph type="sldImg" idx="2"/>
+          </p:nvPr>
+        </p:nvSpPr>
+        <p:spPr>
+          <a:xfrm>
+            <a:off x="381000" y="685800"/>
+            <a:ext cx="6096000" cy="3429000"/>
+          </a:xfrm>
+          <a:custGeom>
+            <a:avLst/>
+            <a:gdLst/>
+            <a:ahLst/>
+            <a:cxnLst/>
+            <a:rect l="l" t="t" r="r" b="b"/>
+            <a:pathLst>
+              <a:path w="120000" h="120000" extrusionOk="0">
+                <a:moveTo>
+                  <a:pt x="0" y="0"/>
+                </a:moveTo>
+                <a:lnTo>
+                  <a:pt x="120000" y="0"/>
+                </a:lnTo>
+                <a:lnTo>
+                  <a:pt x="120000" y="120000"/>
+                </a:lnTo>
+                <a:lnTo>
+                  <a:pt x="0" y="120000"/>
+                </a:lnTo>
+                <a:close/>
+              </a:path>
+            </a:pathLst>
+          </a:custGeom>
+        </p:spPr>
+      </p:sp>
+    </p:spTree>
+    <p:extLst>
+      <p:ext uri="{BB962C8B-B14F-4D97-AF65-F5344CB8AC3E}">
+        <p14:creationId xmlns:p14="http://schemas.microsoft.com/office/powerpoint/2010/main" val="79197041"/>
+      </p:ext>
+    </p:extLst>
+  </p:cSld>
+  <p:clrMapOvr>
+    <a:masterClrMapping/>
+  </p:clrMapOvr>
+</p:notes>
+</file>
+
+<file path=ppt/notesSlides/notesSlide11.xml><?xml version="1.0" encoding="utf-8"?>
 <p:notes xmlns:a="http://schemas.openxmlformats.org/drawingml/2006/main" xmlns:r="http://schemas.openxmlformats.org/officeDocument/2006/relationships" xmlns:p="http://schemas.openxmlformats.org/presentationml/2006/main" showMasterSp="0" showMasterPhAnim="0">
   <p:cSld>
     <p:spTree>
@@ -11746,6 +11874,214 @@
 </file>
 
 <file path=ppt/slides/slide10.xml><?xml version="1.0" encoding="utf-8"?>
+<p:sld xmlns:a="http://schemas.openxmlformats.org/drawingml/2006/main" xmlns:r="http://schemas.openxmlformats.org/officeDocument/2006/relationships" xmlns:p="http://schemas.openxmlformats.org/presentationml/2006/main">
+  <p:cSld>
+    <p:spTree>
+      <p:nvGrpSpPr>
+        <p:cNvPr id="1" name="Shape 235">
+          <a:extLst>
+            <a:ext uri="{FF2B5EF4-FFF2-40B4-BE49-F238E27FC236}">
+              <a16:creationId xmlns:a16="http://schemas.microsoft.com/office/drawing/2014/main" id="{B15303CD-F04E-E5F6-42F0-0588C284284C}"/>
+            </a:ext>
+          </a:extLst>
+        </p:cNvPr>
+        <p:cNvGrpSpPr/>
+        <p:nvPr/>
+      </p:nvGrpSpPr>
+      <p:grpSpPr>
+        <a:xfrm>
+          <a:off x="0" y="0"/>
+          <a:ext cx="0" cy="0"/>
+          <a:chOff x="0" y="0"/>
+          <a:chExt cx="0" cy="0"/>
+        </a:xfrm>
+      </p:grpSpPr>
+      <p:pic>
+        <p:nvPicPr>
+          <p:cNvPr id="236" name="Google Shape;236;p21" descr="image.png">
+            <a:extLst>
+              <a:ext uri="{FF2B5EF4-FFF2-40B4-BE49-F238E27FC236}">
+                <a16:creationId xmlns:a16="http://schemas.microsoft.com/office/drawing/2014/main" id="{8F2947A0-2714-4DDA-9E4F-91E5A6B062D6}"/>
+              </a:ext>
+            </a:extLst>
+          </p:cNvPr>
+          <p:cNvPicPr preferRelativeResize="0"/>
+          <p:nvPr/>
+        </p:nvPicPr>
+        <p:blipFill rotWithShape="1">
+          <a:blip r:embed="rId3">
+            <a:alphaModFix/>
+          </a:blip>
+          <a:srcRect/>
+          <a:stretch/>
+        </p:blipFill>
+        <p:spPr>
+          <a:xfrm>
+            <a:off x="0" y="0"/>
+            <a:ext cx="12192000" cy="6858000"/>
+          </a:xfrm>
+          <a:prstGeom prst="rect">
+            <a:avLst/>
+          </a:prstGeom>
+          <a:noFill/>
+          <a:ln>
+            <a:noFill/>
+          </a:ln>
+        </p:spPr>
+      </p:pic>
+      <p:sp>
+        <p:nvSpPr>
+          <p:cNvPr id="246" name="Google Shape;246;p21">
+            <a:extLst>
+              <a:ext uri="{FF2B5EF4-FFF2-40B4-BE49-F238E27FC236}">
+                <a16:creationId xmlns:a16="http://schemas.microsoft.com/office/drawing/2014/main" id="{854BDCB7-9964-B994-A419-41B841085D71}"/>
+              </a:ext>
+            </a:extLst>
+          </p:cNvPr>
+          <p:cNvSpPr txBox="1"/>
+          <p:nvPr/>
+        </p:nvSpPr>
+        <p:spPr>
+          <a:xfrm>
+            <a:off x="720029" y="202045"/>
+            <a:ext cx="11401425" cy="553998"/>
+          </a:xfrm>
+          <a:prstGeom prst="rect">
+            <a:avLst/>
+          </a:prstGeom>
+          <a:noFill/>
+          <a:ln>
+            <a:noFill/>
+          </a:ln>
+        </p:spPr>
+        <p:txBody>
+          <a:bodyPr spcFirstLastPara="1" wrap="square" lIns="0" tIns="0" rIns="0" bIns="0" anchor="t" anchorCtr="0">
+            <a:spAutoFit/>
+          </a:bodyPr>
+          <a:lstStyle/>
+          <a:p>
+            <a:pPr marL="0" marR="0" lvl="0" indent="0" algn="l" rtl="0">
+              <a:spcBef>
+                <a:spcPts val="0"/>
+              </a:spcBef>
+              <a:spcAft>
+                <a:spcPts val="0"/>
+              </a:spcAft>
+              <a:buNone/>
+            </a:pPr>
+            <a:r>
+              <a:rPr lang="en-US" sz="3600" b="1" i="0" u="none" strike="noStrike" cap="none" dirty="0">
+                <a:solidFill>
+                  <a:srgbClr val="FFFFFF"/>
+                </a:solidFill>
+                <a:latin typeface="Rajdhani"/>
+                <a:ea typeface="Rajdhani"/>
+                <a:cs typeface="Rajdhani"/>
+                <a:sym typeface="Rajdhani"/>
+              </a:rPr>
+              <a:t>DIAGRAMA CUSTOMER360 / VIVO</a:t>
+            </a:r>
+          </a:p>
+        </p:txBody>
+      </p:sp>
+      <p:sp>
+        <p:nvSpPr>
+          <p:cNvPr id="247" name="Google Shape;247;p21">
+            <a:extLst>
+              <a:ext uri="{FF2B5EF4-FFF2-40B4-BE49-F238E27FC236}">
+                <a16:creationId xmlns:a16="http://schemas.microsoft.com/office/drawing/2014/main" id="{618BB145-E30C-3E5D-84C1-C4A2CE63584A}"/>
+              </a:ext>
+            </a:extLst>
+          </p:cNvPr>
+          <p:cNvSpPr/>
+          <p:nvPr/>
+        </p:nvSpPr>
+        <p:spPr>
+          <a:xfrm>
+            <a:off x="598632" y="202045"/>
+            <a:ext cx="47625" cy="590550"/>
+          </a:xfrm>
+          <a:prstGeom prst="rect">
+            <a:avLst/>
+          </a:prstGeom>
+          <a:solidFill>
+            <a:srgbClr val="A600FF"/>
+          </a:solidFill>
+          <a:ln>
+            <a:noFill/>
+          </a:ln>
+        </p:spPr>
+        <p:txBody>
+          <a:bodyPr spcFirstLastPara="1" wrap="square" lIns="91425" tIns="45700" rIns="91425" bIns="45700" anchor="ctr" anchorCtr="0">
+            <a:noAutofit/>
+          </a:bodyPr>
+          <a:lstStyle/>
+          <a:p>
+            <a:pPr marL="0" marR="0" lvl="0" indent="0" algn="ctr" rtl="0">
+              <a:spcBef>
+                <a:spcPts val="0"/>
+              </a:spcBef>
+              <a:spcAft>
+                <a:spcPts val="0"/>
+              </a:spcAft>
+              <a:buNone/>
+            </a:pPr>
+            <a:endParaRPr sz="1800" b="0" i="0" u="none" strike="noStrike" cap="none">
+              <a:solidFill>
+                <a:schemeClr val="dk1"/>
+              </a:solidFill>
+              <a:latin typeface="Calibri"/>
+              <a:ea typeface="Calibri"/>
+              <a:cs typeface="Calibri"/>
+              <a:sym typeface="Calibri"/>
+            </a:endParaRPr>
+          </a:p>
+        </p:txBody>
+      </p:sp>
+      <p:pic>
+        <p:nvPicPr>
+          <p:cNvPr id="3" name="Imagem 2" descr="Diagrama&#10;&#10;O conteúdo gerado por IA pode estar incorreto.">
+            <a:extLst>
+              <a:ext uri="{FF2B5EF4-FFF2-40B4-BE49-F238E27FC236}">
+                <a16:creationId xmlns:a16="http://schemas.microsoft.com/office/drawing/2014/main" id="{B236B7B1-3B3D-E17A-55C6-BCFDD6CC0B9D}"/>
+              </a:ext>
+            </a:extLst>
+          </p:cNvPr>
+          <p:cNvPicPr>
+            <a:picLocks noChangeAspect="1"/>
+          </p:cNvPicPr>
+          <p:nvPr/>
+        </p:nvPicPr>
+        <p:blipFill>
+          <a:blip r:embed="rId4"/>
+          <a:stretch>
+            <a:fillRect/>
+          </a:stretch>
+        </p:blipFill>
+        <p:spPr>
+          <a:xfrm>
+            <a:off x="875467" y="756043"/>
+            <a:ext cx="9201406" cy="5962431"/>
+          </a:xfrm>
+          <a:prstGeom prst="rect">
+            <a:avLst/>
+          </a:prstGeom>
+        </p:spPr>
+      </p:pic>
+    </p:spTree>
+    <p:extLst>
+      <p:ext uri="{BB962C8B-B14F-4D97-AF65-F5344CB8AC3E}">
+        <p14:creationId xmlns:p14="http://schemas.microsoft.com/office/powerpoint/2010/main" val="4200436407"/>
+      </p:ext>
+    </p:extLst>
+  </p:cSld>
+  <p:clrMapOvr>
+    <a:masterClrMapping/>
+  </p:clrMapOvr>
+</p:sld>
+</file>
+
+<file path=ppt/slides/slide11.xml><?xml version="1.0" encoding="utf-8"?>
 <p:sld xmlns:a="http://schemas.openxmlformats.org/drawingml/2006/main" xmlns:r="http://schemas.openxmlformats.org/officeDocument/2006/relationships" xmlns:p="http://schemas.openxmlformats.org/presentationml/2006/main">
   <p:cSld>
     <p:spTree>
